--- a/ppt 16-9/0167.博士崇拜.pptx
+++ b/ppt 16-9/0167.博士崇拜.pptx
@@ -5,7 +5,7 @@
     <p:sldMasterId id="2147483648" r:id="rId1"/>
   </p:sldMasterIdLst>
   <p:sldIdLst>
-    <p:sldId id="2771" r:id="rId2"/>
+    <p:sldId id="2773" r:id="rId2"/>
   </p:sldIdLst>
   <p:sldSz cx="12192000" cy="6858000"/>
   <p:notesSz cx="6858000" cy="9144000"/>
@@ -129,7 +129,7 @@
           <p:cNvPr id="2" name="标题 1">
             <a:extLst>
               <a:ext uri="{FF2B5EF4-FFF2-40B4-BE49-F238E27FC236}">
-                <a16:creationId xmlns:a16="http://schemas.microsoft.com/office/drawing/2014/main" id="{8D4344D2-5E47-ED9C-05DC-9F0F2465CB22}"/>
+                <a16:creationId xmlns:a16="http://schemas.microsoft.com/office/drawing/2014/main" id="{4D4E4E08-C609-2584-6F55-E199E817572B}"/>
               </a:ext>
             </a:extLst>
           </p:cNvPr>
@@ -166,7 +166,7 @@
           <p:cNvPr id="3" name="副标题 2">
             <a:extLst>
               <a:ext uri="{FF2B5EF4-FFF2-40B4-BE49-F238E27FC236}">
-                <a16:creationId xmlns:a16="http://schemas.microsoft.com/office/drawing/2014/main" id="{3E728E48-83D9-F80A-2515-FD8EDA9D1908}"/>
+                <a16:creationId xmlns:a16="http://schemas.microsoft.com/office/drawing/2014/main" id="{3F951C3C-F551-E863-E1A3-52F1F1F29723}"/>
               </a:ext>
             </a:extLst>
           </p:cNvPr>
@@ -236,7 +236,7 @@
           <p:cNvPr id="4" name="日期占位符 3">
             <a:extLst>
               <a:ext uri="{FF2B5EF4-FFF2-40B4-BE49-F238E27FC236}">
-                <a16:creationId xmlns:a16="http://schemas.microsoft.com/office/drawing/2014/main" id="{D246E087-9AF4-81E2-F163-2139B2770721}"/>
+                <a16:creationId xmlns:a16="http://schemas.microsoft.com/office/drawing/2014/main" id="{0C96A2A2-341D-95D4-0BC6-F62CB51BA4ED}"/>
               </a:ext>
             </a:extLst>
           </p:cNvPr>
@@ -252,7 +252,7 @@
           <a:bodyPr/>
           <a:lstStyle/>
           <a:p>
-            <a:fld id="{23ECE385-DD4E-4A9C-A790-BB659CD72E98}" type="datetimeFigureOut">
+            <a:fld id="{DD93EA1C-154A-4774-BCC9-86D898843395}" type="datetimeFigureOut">
               <a:rPr lang="zh-CN" altLang="en-US" smtClean="0"/>
               <a:t>2024/3/10</a:t>
             </a:fld>
@@ -265,7 +265,7 @@
           <p:cNvPr id="5" name="页脚占位符 4">
             <a:extLst>
               <a:ext uri="{FF2B5EF4-FFF2-40B4-BE49-F238E27FC236}">
-                <a16:creationId xmlns:a16="http://schemas.microsoft.com/office/drawing/2014/main" id="{CAD41B2F-83B8-8A56-14E6-5825DF2D7179}"/>
+                <a16:creationId xmlns:a16="http://schemas.microsoft.com/office/drawing/2014/main" id="{89C0CD33-1221-EF20-6F9E-8E534E3754E5}"/>
               </a:ext>
             </a:extLst>
           </p:cNvPr>
@@ -290,7 +290,7 @@
           <p:cNvPr id="6" name="灯片编号占位符 5">
             <a:extLst>
               <a:ext uri="{FF2B5EF4-FFF2-40B4-BE49-F238E27FC236}">
-                <a16:creationId xmlns:a16="http://schemas.microsoft.com/office/drawing/2014/main" id="{942887F9-4E84-2B44-3F3F-23ECEAD4C630}"/>
+                <a16:creationId xmlns:a16="http://schemas.microsoft.com/office/drawing/2014/main" id="{362B2CCE-8A21-8B51-2F60-176E735BC3E2}"/>
               </a:ext>
             </a:extLst>
           </p:cNvPr>
@@ -306,7 +306,7 @@
           <a:bodyPr/>
           <a:lstStyle/>
           <a:p>
-            <a:fld id="{415D025C-2599-4810-815C-BD34EC312D75}" type="slidenum">
+            <a:fld id="{45DDCCED-062F-49E4-9BFA-388C118D6FD3}" type="slidenum">
               <a:rPr lang="zh-CN" altLang="en-US" smtClean="0"/>
               <a:t>‹#›</a:t>
             </a:fld>
@@ -317,7 +317,7 @@
     </p:spTree>
     <p:extLst>
       <p:ext uri="{BB962C8B-B14F-4D97-AF65-F5344CB8AC3E}">
-        <p14:creationId xmlns:p14="http://schemas.microsoft.com/office/powerpoint/2010/main" val="2314879672"/>
+        <p14:creationId xmlns:p14="http://schemas.microsoft.com/office/powerpoint/2010/main" val="578693566"/>
       </p:ext>
     </p:extLst>
   </p:cSld>
@@ -349,7 +349,7 @@
           <p:cNvPr id="2" name="标题 1">
             <a:extLst>
               <a:ext uri="{FF2B5EF4-FFF2-40B4-BE49-F238E27FC236}">
-                <a16:creationId xmlns:a16="http://schemas.microsoft.com/office/drawing/2014/main" id="{D6F85F2A-E6B6-C720-ED8F-8E6E37E9FA88}"/>
+                <a16:creationId xmlns:a16="http://schemas.microsoft.com/office/drawing/2014/main" id="{AA19F2F7-C626-2795-DF08-CCBA98076A43}"/>
               </a:ext>
             </a:extLst>
           </p:cNvPr>
@@ -377,7 +377,7 @@
           <p:cNvPr id="3" name="竖排文字占位符 2">
             <a:extLst>
               <a:ext uri="{FF2B5EF4-FFF2-40B4-BE49-F238E27FC236}">
-                <a16:creationId xmlns:a16="http://schemas.microsoft.com/office/drawing/2014/main" id="{2AC6C04E-86E9-BF9D-5A3B-9E3EC39AA6D5}"/>
+                <a16:creationId xmlns:a16="http://schemas.microsoft.com/office/drawing/2014/main" id="{B2C2484C-C5FF-7C14-2CC3-75186073848F}"/>
               </a:ext>
             </a:extLst>
           </p:cNvPr>
@@ -434,7 +434,7 @@
           <p:cNvPr id="4" name="日期占位符 3">
             <a:extLst>
               <a:ext uri="{FF2B5EF4-FFF2-40B4-BE49-F238E27FC236}">
-                <a16:creationId xmlns:a16="http://schemas.microsoft.com/office/drawing/2014/main" id="{C981363A-7FC6-D5BE-5098-114E09E2A9E5}"/>
+                <a16:creationId xmlns:a16="http://schemas.microsoft.com/office/drawing/2014/main" id="{7FCD0ADC-10A5-0EA0-5D9D-2A9FCC6918A5}"/>
               </a:ext>
             </a:extLst>
           </p:cNvPr>
@@ -450,7 +450,7 @@
           <a:bodyPr/>
           <a:lstStyle/>
           <a:p>
-            <a:fld id="{23ECE385-DD4E-4A9C-A790-BB659CD72E98}" type="datetimeFigureOut">
+            <a:fld id="{DD93EA1C-154A-4774-BCC9-86D898843395}" type="datetimeFigureOut">
               <a:rPr lang="zh-CN" altLang="en-US" smtClean="0"/>
               <a:t>2024/3/10</a:t>
             </a:fld>
@@ -463,7 +463,7 @@
           <p:cNvPr id="5" name="页脚占位符 4">
             <a:extLst>
               <a:ext uri="{FF2B5EF4-FFF2-40B4-BE49-F238E27FC236}">
-                <a16:creationId xmlns:a16="http://schemas.microsoft.com/office/drawing/2014/main" id="{B022AFEB-8677-D736-1F53-16198BE993B3}"/>
+                <a16:creationId xmlns:a16="http://schemas.microsoft.com/office/drawing/2014/main" id="{D01E5FDD-BAB2-BC22-9D04-3DF38B7A5932}"/>
               </a:ext>
             </a:extLst>
           </p:cNvPr>
@@ -488,7 +488,7 @@
           <p:cNvPr id="6" name="灯片编号占位符 5">
             <a:extLst>
               <a:ext uri="{FF2B5EF4-FFF2-40B4-BE49-F238E27FC236}">
-                <a16:creationId xmlns:a16="http://schemas.microsoft.com/office/drawing/2014/main" id="{3215F666-B7E9-C542-9808-9FC0F28D1BA5}"/>
+                <a16:creationId xmlns:a16="http://schemas.microsoft.com/office/drawing/2014/main" id="{79802261-DE35-D9E2-D999-2CC6D9B573DD}"/>
               </a:ext>
             </a:extLst>
           </p:cNvPr>
@@ -504,7 +504,7 @@
           <a:bodyPr/>
           <a:lstStyle/>
           <a:p>
-            <a:fld id="{415D025C-2599-4810-815C-BD34EC312D75}" type="slidenum">
+            <a:fld id="{45DDCCED-062F-49E4-9BFA-388C118D6FD3}" type="slidenum">
               <a:rPr lang="zh-CN" altLang="en-US" smtClean="0"/>
               <a:t>‹#›</a:t>
             </a:fld>
@@ -515,7 +515,7 @@
     </p:spTree>
     <p:extLst>
       <p:ext uri="{BB962C8B-B14F-4D97-AF65-F5344CB8AC3E}">
-        <p14:creationId xmlns:p14="http://schemas.microsoft.com/office/powerpoint/2010/main" val="3938460629"/>
+        <p14:creationId xmlns:p14="http://schemas.microsoft.com/office/powerpoint/2010/main" val="2775309580"/>
       </p:ext>
     </p:extLst>
   </p:cSld>
@@ -547,7 +547,7 @@
           <p:cNvPr id="2" name="竖排标题 1">
             <a:extLst>
               <a:ext uri="{FF2B5EF4-FFF2-40B4-BE49-F238E27FC236}">
-                <a16:creationId xmlns:a16="http://schemas.microsoft.com/office/drawing/2014/main" id="{95108466-0216-E01C-7716-DD60C077C3D2}"/>
+                <a16:creationId xmlns:a16="http://schemas.microsoft.com/office/drawing/2014/main" id="{49D11365-E3CA-37C2-8625-CC2041280C7E}"/>
               </a:ext>
             </a:extLst>
           </p:cNvPr>
@@ -580,7 +580,7 @@
           <p:cNvPr id="3" name="竖排文字占位符 2">
             <a:extLst>
               <a:ext uri="{FF2B5EF4-FFF2-40B4-BE49-F238E27FC236}">
-                <a16:creationId xmlns:a16="http://schemas.microsoft.com/office/drawing/2014/main" id="{81A05BE1-C0D5-A177-0151-09A2CE4B992F}"/>
+                <a16:creationId xmlns:a16="http://schemas.microsoft.com/office/drawing/2014/main" id="{F2B73F17-A41C-37C0-73FC-01785DCC5DF3}"/>
               </a:ext>
             </a:extLst>
           </p:cNvPr>
@@ -642,7 +642,7 @@
           <p:cNvPr id="4" name="日期占位符 3">
             <a:extLst>
               <a:ext uri="{FF2B5EF4-FFF2-40B4-BE49-F238E27FC236}">
-                <a16:creationId xmlns:a16="http://schemas.microsoft.com/office/drawing/2014/main" id="{3F30B2AC-E058-CC8E-B923-E67F5C0B7F57}"/>
+                <a16:creationId xmlns:a16="http://schemas.microsoft.com/office/drawing/2014/main" id="{7C21AF34-B4E6-3243-CCC9-2566174D7197}"/>
               </a:ext>
             </a:extLst>
           </p:cNvPr>
@@ -658,7 +658,7 @@
           <a:bodyPr/>
           <a:lstStyle/>
           <a:p>
-            <a:fld id="{23ECE385-DD4E-4A9C-A790-BB659CD72E98}" type="datetimeFigureOut">
+            <a:fld id="{DD93EA1C-154A-4774-BCC9-86D898843395}" type="datetimeFigureOut">
               <a:rPr lang="zh-CN" altLang="en-US" smtClean="0"/>
               <a:t>2024/3/10</a:t>
             </a:fld>
@@ -671,7 +671,7 @@
           <p:cNvPr id="5" name="页脚占位符 4">
             <a:extLst>
               <a:ext uri="{FF2B5EF4-FFF2-40B4-BE49-F238E27FC236}">
-                <a16:creationId xmlns:a16="http://schemas.microsoft.com/office/drawing/2014/main" id="{F0392913-C803-DD33-66C2-3811595C4614}"/>
+                <a16:creationId xmlns:a16="http://schemas.microsoft.com/office/drawing/2014/main" id="{86E08DE9-49B9-97CB-C9AB-81D3FB22C91F}"/>
               </a:ext>
             </a:extLst>
           </p:cNvPr>
@@ -696,7 +696,7 @@
           <p:cNvPr id="6" name="灯片编号占位符 5">
             <a:extLst>
               <a:ext uri="{FF2B5EF4-FFF2-40B4-BE49-F238E27FC236}">
-                <a16:creationId xmlns:a16="http://schemas.microsoft.com/office/drawing/2014/main" id="{111F119A-750F-0BFC-1916-D3E9237D537F}"/>
+                <a16:creationId xmlns:a16="http://schemas.microsoft.com/office/drawing/2014/main" id="{41AAFAFE-3FD9-3BB9-9228-30127241E8DC}"/>
               </a:ext>
             </a:extLst>
           </p:cNvPr>
@@ -712,7 +712,7 @@
           <a:bodyPr/>
           <a:lstStyle/>
           <a:p>
-            <a:fld id="{415D025C-2599-4810-815C-BD34EC312D75}" type="slidenum">
+            <a:fld id="{45DDCCED-062F-49E4-9BFA-388C118D6FD3}" type="slidenum">
               <a:rPr lang="zh-CN" altLang="en-US" smtClean="0"/>
               <a:t>‹#›</a:t>
             </a:fld>
@@ -723,7 +723,7 @@
     </p:spTree>
     <p:extLst>
       <p:ext uri="{BB962C8B-B14F-4D97-AF65-F5344CB8AC3E}">
-        <p14:creationId xmlns:p14="http://schemas.microsoft.com/office/powerpoint/2010/main" val="2928538668"/>
+        <p14:creationId xmlns:p14="http://schemas.microsoft.com/office/powerpoint/2010/main" val="1806240191"/>
       </p:ext>
     </p:extLst>
   </p:cSld>
@@ -755,7 +755,7 @@
           <p:cNvPr id="2" name="标题 1">
             <a:extLst>
               <a:ext uri="{FF2B5EF4-FFF2-40B4-BE49-F238E27FC236}">
-                <a16:creationId xmlns:a16="http://schemas.microsoft.com/office/drawing/2014/main" id="{0317438A-4C69-E4D4-920D-52CBAFCD232D}"/>
+                <a16:creationId xmlns:a16="http://schemas.microsoft.com/office/drawing/2014/main" id="{225893FE-BB0B-318C-7560-E7C61382B34D}"/>
               </a:ext>
             </a:extLst>
           </p:cNvPr>
@@ -783,7 +783,7 @@
           <p:cNvPr id="3" name="内容占位符 2">
             <a:extLst>
               <a:ext uri="{FF2B5EF4-FFF2-40B4-BE49-F238E27FC236}">
-                <a16:creationId xmlns:a16="http://schemas.microsoft.com/office/drawing/2014/main" id="{1244F1CD-08CA-5C6B-8CBE-376400D347A0}"/>
+                <a16:creationId xmlns:a16="http://schemas.microsoft.com/office/drawing/2014/main" id="{A8118741-3805-AA88-94C2-F1E94417BCB6}"/>
               </a:ext>
             </a:extLst>
           </p:cNvPr>
@@ -840,7 +840,7 @@
           <p:cNvPr id="4" name="日期占位符 3">
             <a:extLst>
               <a:ext uri="{FF2B5EF4-FFF2-40B4-BE49-F238E27FC236}">
-                <a16:creationId xmlns:a16="http://schemas.microsoft.com/office/drawing/2014/main" id="{C2205851-E7F4-2E6E-83E2-D8F5B8B71036}"/>
+                <a16:creationId xmlns:a16="http://schemas.microsoft.com/office/drawing/2014/main" id="{51672FF5-F9EE-67EA-BD36-46164AD0D93A}"/>
               </a:ext>
             </a:extLst>
           </p:cNvPr>
@@ -856,7 +856,7 @@
           <a:bodyPr/>
           <a:lstStyle/>
           <a:p>
-            <a:fld id="{23ECE385-DD4E-4A9C-A790-BB659CD72E98}" type="datetimeFigureOut">
+            <a:fld id="{DD93EA1C-154A-4774-BCC9-86D898843395}" type="datetimeFigureOut">
               <a:rPr lang="zh-CN" altLang="en-US" smtClean="0"/>
               <a:t>2024/3/10</a:t>
             </a:fld>
@@ -869,7 +869,7 @@
           <p:cNvPr id="5" name="页脚占位符 4">
             <a:extLst>
               <a:ext uri="{FF2B5EF4-FFF2-40B4-BE49-F238E27FC236}">
-                <a16:creationId xmlns:a16="http://schemas.microsoft.com/office/drawing/2014/main" id="{D89A88D1-6899-2903-1396-8F745B1A15C9}"/>
+                <a16:creationId xmlns:a16="http://schemas.microsoft.com/office/drawing/2014/main" id="{FA82182E-67BC-1935-6E75-FAB7C265CD60}"/>
               </a:ext>
             </a:extLst>
           </p:cNvPr>
@@ -894,7 +894,7 @@
           <p:cNvPr id="6" name="灯片编号占位符 5">
             <a:extLst>
               <a:ext uri="{FF2B5EF4-FFF2-40B4-BE49-F238E27FC236}">
-                <a16:creationId xmlns:a16="http://schemas.microsoft.com/office/drawing/2014/main" id="{B1CAAC26-A0EC-6A18-EC44-206A7DC82D4D}"/>
+                <a16:creationId xmlns:a16="http://schemas.microsoft.com/office/drawing/2014/main" id="{9ED1316E-005C-8541-782E-5C7F16FCE27B}"/>
               </a:ext>
             </a:extLst>
           </p:cNvPr>
@@ -910,7 +910,7 @@
           <a:bodyPr/>
           <a:lstStyle/>
           <a:p>
-            <a:fld id="{415D025C-2599-4810-815C-BD34EC312D75}" type="slidenum">
+            <a:fld id="{45DDCCED-062F-49E4-9BFA-388C118D6FD3}" type="slidenum">
               <a:rPr lang="zh-CN" altLang="en-US" smtClean="0"/>
               <a:t>‹#›</a:t>
             </a:fld>
@@ -921,7 +921,7 @@
     </p:spTree>
     <p:extLst>
       <p:ext uri="{BB962C8B-B14F-4D97-AF65-F5344CB8AC3E}">
-        <p14:creationId xmlns:p14="http://schemas.microsoft.com/office/powerpoint/2010/main" val="499402152"/>
+        <p14:creationId xmlns:p14="http://schemas.microsoft.com/office/powerpoint/2010/main" val="552360767"/>
       </p:ext>
     </p:extLst>
   </p:cSld>
@@ -953,7 +953,7 @@
           <p:cNvPr id="2" name="标题 1">
             <a:extLst>
               <a:ext uri="{FF2B5EF4-FFF2-40B4-BE49-F238E27FC236}">
-                <a16:creationId xmlns:a16="http://schemas.microsoft.com/office/drawing/2014/main" id="{7FE7DAEF-A3A9-684A-BD76-A2885D8DF995}"/>
+                <a16:creationId xmlns:a16="http://schemas.microsoft.com/office/drawing/2014/main" id="{F50ADD4B-B1CC-102D-C138-08B01B13A1E2}"/>
               </a:ext>
             </a:extLst>
           </p:cNvPr>
@@ -990,7 +990,7 @@
           <p:cNvPr id="3" name="文本占位符 2">
             <a:extLst>
               <a:ext uri="{FF2B5EF4-FFF2-40B4-BE49-F238E27FC236}">
-                <a16:creationId xmlns:a16="http://schemas.microsoft.com/office/drawing/2014/main" id="{CA33E046-CE53-3BC8-9685-8039BB0D5453}"/>
+                <a16:creationId xmlns:a16="http://schemas.microsoft.com/office/drawing/2014/main" id="{3D771C42-50D7-9D00-7F6D-FE3E6D6F1CCD}"/>
               </a:ext>
             </a:extLst>
           </p:cNvPr>
@@ -1115,7 +1115,7 @@
           <p:cNvPr id="4" name="日期占位符 3">
             <a:extLst>
               <a:ext uri="{FF2B5EF4-FFF2-40B4-BE49-F238E27FC236}">
-                <a16:creationId xmlns:a16="http://schemas.microsoft.com/office/drawing/2014/main" id="{58B9DC40-38AB-5A69-1FC7-F637CD507F75}"/>
+                <a16:creationId xmlns:a16="http://schemas.microsoft.com/office/drawing/2014/main" id="{839D0753-5D5C-65BB-C085-368F74D948E0}"/>
               </a:ext>
             </a:extLst>
           </p:cNvPr>
@@ -1131,7 +1131,7 @@
           <a:bodyPr/>
           <a:lstStyle/>
           <a:p>
-            <a:fld id="{23ECE385-DD4E-4A9C-A790-BB659CD72E98}" type="datetimeFigureOut">
+            <a:fld id="{DD93EA1C-154A-4774-BCC9-86D898843395}" type="datetimeFigureOut">
               <a:rPr lang="zh-CN" altLang="en-US" smtClean="0"/>
               <a:t>2024/3/10</a:t>
             </a:fld>
@@ -1144,7 +1144,7 @@
           <p:cNvPr id="5" name="页脚占位符 4">
             <a:extLst>
               <a:ext uri="{FF2B5EF4-FFF2-40B4-BE49-F238E27FC236}">
-                <a16:creationId xmlns:a16="http://schemas.microsoft.com/office/drawing/2014/main" id="{C7ABB9DE-1776-CD94-C982-B9DA402C6620}"/>
+                <a16:creationId xmlns:a16="http://schemas.microsoft.com/office/drawing/2014/main" id="{5EC4416B-53B6-CD1F-9EA4-D65CF4FA5913}"/>
               </a:ext>
             </a:extLst>
           </p:cNvPr>
@@ -1169,7 +1169,7 @@
           <p:cNvPr id="6" name="灯片编号占位符 5">
             <a:extLst>
               <a:ext uri="{FF2B5EF4-FFF2-40B4-BE49-F238E27FC236}">
-                <a16:creationId xmlns:a16="http://schemas.microsoft.com/office/drawing/2014/main" id="{BFE075F0-F4CA-2E1B-9A89-FDECCD6BD39D}"/>
+                <a16:creationId xmlns:a16="http://schemas.microsoft.com/office/drawing/2014/main" id="{610B0E70-805E-0FD8-8A33-F1728FF5548F}"/>
               </a:ext>
             </a:extLst>
           </p:cNvPr>
@@ -1185,7 +1185,7 @@
           <a:bodyPr/>
           <a:lstStyle/>
           <a:p>
-            <a:fld id="{415D025C-2599-4810-815C-BD34EC312D75}" type="slidenum">
+            <a:fld id="{45DDCCED-062F-49E4-9BFA-388C118D6FD3}" type="slidenum">
               <a:rPr lang="zh-CN" altLang="en-US" smtClean="0"/>
               <a:t>‹#›</a:t>
             </a:fld>
@@ -1196,7 +1196,7 @@
     </p:spTree>
     <p:extLst>
       <p:ext uri="{BB962C8B-B14F-4D97-AF65-F5344CB8AC3E}">
-        <p14:creationId xmlns:p14="http://schemas.microsoft.com/office/powerpoint/2010/main" val="4111983837"/>
+        <p14:creationId xmlns:p14="http://schemas.microsoft.com/office/powerpoint/2010/main" val="931312783"/>
       </p:ext>
     </p:extLst>
   </p:cSld>
@@ -1228,7 +1228,7 @@
           <p:cNvPr id="2" name="标题 1">
             <a:extLst>
               <a:ext uri="{FF2B5EF4-FFF2-40B4-BE49-F238E27FC236}">
-                <a16:creationId xmlns:a16="http://schemas.microsoft.com/office/drawing/2014/main" id="{85488E2B-D3B5-2F02-B6CD-C499FC068D98}"/>
+                <a16:creationId xmlns:a16="http://schemas.microsoft.com/office/drawing/2014/main" id="{C5A1DD9A-0175-6AFE-4BF5-6D0B6B16431C}"/>
               </a:ext>
             </a:extLst>
           </p:cNvPr>
@@ -1256,7 +1256,7 @@
           <p:cNvPr id="3" name="内容占位符 2">
             <a:extLst>
               <a:ext uri="{FF2B5EF4-FFF2-40B4-BE49-F238E27FC236}">
-                <a16:creationId xmlns:a16="http://schemas.microsoft.com/office/drawing/2014/main" id="{55308A0A-A53E-6CB6-8304-CCCA93D1CA2D}"/>
+                <a16:creationId xmlns:a16="http://schemas.microsoft.com/office/drawing/2014/main" id="{D8973D4D-CC41-0BEA-93F4-D68273B05C3E}"/>
               </a:ext>
             </a:extLst>
           </p:cNvPr>
@@ -1318,7 +1318,7 @@
           <p:cNvPr id="4" name="内容占位符 3">
             <a:extLst>
               <a:ext uri="{FF2B5EF4-FFF2-40B4-BE49-F238E27FC236}">
-                <a16:creationId xmlns:a16="http://schemas.microsoft.com/office/drawing/2014/main" id="{EA0104E4-BD07-54F2-607E-3B37EE545473}"/>
+                <a16:creationId xmlns:a16="http://schemas.microsoft.com/office/drawing/2014/main" id="{AF37BB9B-C0AF-B946-DA50-347EC1D455BB}"/>
               </a:ext>
             </a:extLst>
           </p:cNvPr>
@@ -1380,7 +1380,7 @@
           <p:cNvPr id="5" name="日期占位符 4">
             <a:extLst>
               <a:ext uri="{FF2B5EF4-FFF2-40B4-BE49-F238E27FC236}">
-                <a16:creationId xmlns:a16="http://schemas.microsoft.com/office/drawing/2014/main" id="{3A862079-5A75-97D6-970C-6BA3427F78A5}"/>
+                <a16:creationId xmlns:a16="http://schemas.microsoft.com/office/drawing/2014/main" id="{46773524-9947-FD04-46CC-184B96B066D4}"/>
               </a:ext>
             </a:extLst>
           </p:cNvPr>
@@ -1396,7 +1396,7 @@
           <a:bodyPr/>
           <a:lstStyle/>
           <a:p>
-            <a:fld id="{23ECE385-DD4E-4A9C-A790-BB659CD72E98}" type="datetimeFigureOut">
+            <a:fld id="{DD93EA1C-154A-4774-BCC9-86D898843395}" type="datetimeFigureOut">
               <a:rPr lang="zh-CN" altLang="en-US" smtClean="0"/>
               <a:t>2024/3/10</a:t>
             </a:fld>
@@ -1409,7 +1409,7 @@
           <p:cNvPr id="6" name="页脚占位符 5">
             <a:extLst>
               <a:ext uri="{FF2B5EF4-FFF2-40B4-BE49-F238E27FC236}">
-                <a16:creationId xmlns:a16="http://schemas.microsoft.com/office/drawing/2014/main" id="{DB280CBB-A28E-3FF9-71BB-5CED174DB76E}"/>
+                <a16:creationId xmlns:a16="http://schemas.microsoft.com/office/drawing/2014/main" id="{CB217927-E0E4-9CB0-B00C-6CBE4BE5B03F}"/>
               </a:ext>
             </a:extLst>
           </p:cNvPr>
@@ -1434,7 +1434,7 @@
           <p:cNvPr id="7" name="灯片编号占位符 6">
             <a:extLst>
               <a:ext uri="{FF2B5EF4-FFF2-40B4-BE49-F238E27FC236}">
-                <a16:creationId xmlns:a16="http://schemas.microsoft.com/office/drawing/2014/main" id="{E2297F30-DD46-C5A3-6E4F-786FECCB7B8A}"/>
+                <a16:creationId xmlns:a16="http://schemas.microsoft.com/office/drawing/2014/main" id="{94A32F55-19C3-E4B0-2A02-4CE10BB058A3}"/>
               </a:ext>
             </a:extLst>
           </p:cNvPr>
@@ -1450,7 +1450,7 @@
           <a:bodyPr/>
           <a:lstStyle/>
           <a:p>
-            <a:fld id="{415D025C-2599-4810-815C-BD34EC312D75}" type="slidenum">
+            <a:fld id="{45DDCCED-062F-49E4-9BFA-388C118D6FD3}" type="slidenum">
               <a:rPr lang="zh-CN" altLang="en-US" smtClean="0"/>
               <a:t>‹#›</a:t>
             </a:fld>
@@ -1461,7 +1461,7 @@
     </p:spTree>
     <p:extLst>
       <p:ext uri="{BB962C8B-B14F-4D97-AF65-F5344CB8AC3E}">
-        <p14:creationId xmlns:p14="http://schemas.microsoft.com/office/powerpoint/2010/main" val="2963782005"/>
+        <p14:creationId xmlns:p14="http://schemas.microsoft.com/office/powerpoint/2010/main" val="3464095603"/>
       </p:ext>
     </p:extLst>
   </p:cSld>
@@ -1493,7 +1493,7 @@
           <p:cNvPr id="2" name="标题 1">
             <a:extLst>
               <a:ext uri="{FF2B5EF4-FFF2-40B4-BE49-F238E27FC236}">
-                <a16:creationId xmlns:a16="http://schemas.microsoft.com/office/drawing/2014/main" id="{9F80F2C0-0C83-4A13-37E6-DB3E5AAEF6E1}"/>
+                <a16:creationId xmlns:a16="http://schemas.microsoft.com/office/drawing/2014/main" id="{63D2D01A-CE87-2A20-C18D-8E7FAA52C308}"/>
               </a:ext>
             </a:extLst>
           </p:cNvPr>
@@ -1526,7 +1526,7 @@
           <p:cNvPr id="3" name="文本占位符 2">
             <a:extLst>
               <a:ext uri="{FF2B5EF4-FFF2-40B4-BE49-F238E27FC236}">
-                <a16:creationId xmlns:a16="http://schemas.microsoft.com/office/drawing/2014/main" id="{F6397833-7FEE-F528-E3E0-FF306744D4CB}"/>
+                <a16:creationId xmlns:a16="http://schemas.microsoft.com/office/drawing/2014/main" id="{54326561-7CD8-85D6-B9ED-1F82B2AA9CDE}"/>
               </a:ext>
             </a:extLst>
           </p:cNvPr>
@@ -1597,7 +1597,7 @@
           <p:cNvPr id="4" name="内容占位符 3">
             <a:extLst>
               <a:ext uri="{FF2B5EF4-FFF2-40B4-BE49-F238E27FC236}">
-                <a16:creationId xmlns:a16="http://schemas.microsoft.com/office/drawing/2014/main" id="{452F7DDC-8C1A-6718-9FE1-DBA94F1FD652}"/>
+                <a16:creationId xmlns:a16="http://schemas.microsoft.com/office/drawing/2014/main" id="{99E08117-9A14-E66B-90CC-F1EFDD1C03CD}"/>
               </a:ext>
             </a:extLst>
           </p:cNvPr>
@@ -1659,7 +1659,7 @@
           <p:cNvPr id="5" name="文本占位符 4">
             <a:extLst>
               <a:ext uri="{FF2B5EF4-FFF2-40B4-BE49-F238E27FC236}">
-                <a16:creationId xmlns:a16="http://schemas.microsoft.com/office/drawing/2014/main" id="{ABBC7C03-F0D1-8CE1-6F6F-3A5F241E333E}"/>
+                <a16:creationId xmlns:a16="http://schemas.microsoft.com/office/drawing/2014/main" id="{DAA0F309-FE6B-0C57-580B-3A9C225C8DBA}"/>
               </a:ext>
             </a:extLst>
           </p:cNvPr>
@@ -1730,7 +1730,7 @@
           <p:cNvPr id="6" name="内容占位符 5">
             <a:extLst>
               <a:ext uri="{FF2B5EF4-FFF2-40B4-BE49-F238E27FC236}">
-                <a16:creationId xmlns:a16="http://schemas.microsoft.com/office/drawing/2014/main" id="{2C4228D7-121C-9EF6-ECBE-20173C25B017}"/>
+                <a16:creationId xmlns:a16="http://schemas.microsoft.com/office/drawing/2014/main" id="{42447C86-4F54-C4E5-C470-740452BFAFFA}"/>
               </a:ext>
             </a:extLst>
           </p:cNvPr>
@@ -1792,7 +1792,7 @@
           <p:cNvPr id="7" name="日期占位符 6">
             <a:extLst>
               <a:ext uri="{FF2B5EF4-FFF2-40B4-BE49-F238E27FC236}">
-                <a16:creationId xmlns:a16="http://schemas.microsoft.com/office/drawing/2014/main" id="{CD26F0DF-000C-F27C-113A-9841882322C7}"/>
+                <a16:creationId xmlns:a16="http://schemas.microsoft.com/office/drawing/2014/main" id="{98F94965-C553-E390-FD1A-E08784994AF1}"/>
               </a:ext>
             </a:extLst>
           </p:cNvPr>
@@ -1808,7 +1808,7 @@
           <a:bodyPr/>
           <a:lstStyle/>
           <a:p>
-            <a:fld id="{23ECE385-DD4E-4A9C-A790-BB659CD72E98}" type="datetimeFigureOut">
+            <a:fld id="{DD93EA1C-154A-4774-BCC9-86D898843395}" type="datetimeFigureOut">
               <a:rPr lang="zh-CN" altLang="en-US" smtClean="0"/>
               <a:t>2024/3/10</a:t>
             </a:fld>
@@ -1821,7 +1821,7 @@
           <p:cNvPr id="8" name="页脚占位符 7">
             <a:extLst>
               <a:ext uri="{FF2B5EF4-FFF2-40B4-BE49-F238E27FC236}">
-                <a16:creationId xmlns:a16="http://schemas.microsoft.com/office/drawing/2014/main" id="{FA718137-6A08-4DC8-12D3-C6103821AD89}"/>
+                <a16:creationId xmlns:a16="http://schemas.microsoft.com/office/drawing/2014/main" id="{749DDC99-C76D-1317-8C8E-21EE2EC6BDFA}"/>
               </a:ext>
             </a:extLst>
           </p:cNvPr>
@@ -1846,7 +1846,7 @@
           <p:cNvPr id="9" name="灯片编号占位符 8">
             <a:extLst>
               <a:ext uri="{FF2B5EF4-FFF2-40B4-BE49-F238E27FC236}">
-                <a16:creationId xmlns:a16="http://schemas.microsoft.com/office/drawing/2014/main" id="{E9779030-3B9D-EF15-EFAC-09F25A4046BD}"/>
+                <a16:creationId xmlns:a16="http://schemas.microsoft.com/office/drawing/2014/main" id="{219618CE-ED78-15BF-667F-530EF25FD3BA}"/>
               </a:ext>
             </a:extLst>
           </p:cNvPr>
@@ -1862,7 +1862,7 @@
           <a:bodyPr/>
           <a:lstStyle/>
           <a:p>
-            <a:fld id="{415D025C-2599-4810-815C-BD34EC312D75}" type="slidenum">
+            <a:fld id="{45DDCCED-062F-49E4-9BFA-388C118D6FD3}" type="slidenum">
               <a:rPr lang="zh-CN" altLang="en-US" smtClean="0"/>
               <a:t>‹#›</a:t>
             </a:fld>
@@ -1873,7 +1873,7 @@
     </p:spTree>
     <p:extLst>
       <p:ext uri="{BB962C8B-B14F-4D97-AF65-F5344CB8AC3E}">
-        <p14:creationId xmlns:p14="http://schemas.microsoft.com/office/powerpoint/2010/main" val="2203272315"/>
+        <p14:creationId xmlns:p14="http://schemas.microsoft.com/office/powerpoint/2010/main" val="3330760840"/>
       </p:ext>
     </p:extLst>
   </p:cSld>
@@ -1905,7 +1905,7 @@
           <p:cNvPr id="2" name="标题 1">
             <a:extLst>
               <a:ext uri="{FF2B5EF4-FFF2-40B4-BE49-F238E27FC236}">
-                <a16:creationId xmlns:a16="http://schemas.microsoft.com/office/drawing/2014/main" id="{4971296B-E2B1-3F8D-5730-18FB519E6900}"/>
+                <a16:creationId xmlns:a16="http://schemas.microsoft.com/office/drawing/2014/main" id="{C385C982-F473-63E9-D457-CB2BAC1FDB7D}"/>
               </a:ext>
             </a:extLst>
           </p:cNvPr>
@@ -1933,7 +1933,7 @@
           <p:cNvPr id="3" name="日期占位符 2">
             <a:extLst>
               <a:ext uri="{FF2B5EF4-FFF2-40B4-BE49-F238E27FC236}">
-                <a16:creationId xmlns:a16="http://schemas.microsoft.com/office/drawing/2014/main" id="{3D2EA781-8821-0097-EFD6-2BFBC801503C}"/>
+                <a16:creationId xmlns:a16="http://schemas.microsoft.com/office/drawing/2014/main" id="{6B6A2A19-A5D8-E260-335C-0916D9A22E09}"/>
               </a:ext>
             </a:extLst>
           </p:cNvPr>
@@ -1949,7 +1949,7 @@
           <a:bodyPr/>
           <a:lstStyle/>
           <a:p>
-            <a:fld id="{23ECE385-DD4E-4A9C-A790-BB659CD72E98}" type="datetimeFigureOut">
+            <a:fld id="{DD93EA1C-154A-4774-BCC9-86D898843395}" type="datetimeFigureOut">
               <a:rPr lang="zh-CN" altLang="en-US" smtClean="0"/>
               <a:t>2024/3/10</a:t>
             </a:fld>
@@ -1962,7 +1962,7 @@
           <p:cNvPr id="4" name="页脚占位符 3">
             <a:extLst>
               <a:ext uri="{FF2B5EF4-FFF2-40B4-BE49-F238E27FC236}">
-                <a16:creationId xmlns:a16="http://schemas.microsoft.com/office/drawing/2014/main" id="{54AF7994-BCB2-3C13-60A3-D4B236DBCBD3}"/>
+                <a16:creationId xmlns:a16="http://schemas.microsoft.com/office/drawing/2014/main" id="{B0C7145F-CCF5-577B-F17B-3D1502C057EC}"/>
               </a:ext>
             </a:extLst>
           </p:cNvPr>
@@ -1987,7 +1987,7 @@
           <p:cNvPr id="5" name="灯片编号占位符 4">
             <a:extLst>
               <a:ext uri="{FF2B5EF4-FFF2-40B4-BE49-F238E27FC236}">
-                <a16:creationId xmlns:a16="http://schemas.microsoft.com/office/drawing/2014/main" id="{68DA1C6D-4D39-3A1D-3FC5-87C83E1C3BA7}"/>
+                <a16:creationId xmlns:a16="http://schemas.microsoft.com/office/drawing/2014/main" id="{788BD9BE-3B15-D430-C580-C2DDCBE12943}"/>
               </a:ext>
             </a:extLst>
           </p:cNvPr>
@@ -2003,7 +2003,7 @@
           <a:bodyPr/>
           <a:lstStyle/>
           <a:p>
-            <a:fld id="{415D025C-2599-4810-815C-BD34EC312D75}" type="slidenum">
+            <a:fld id="{45DDCCED-062F-49E4-9BFA-388C118D6FD3}" type="slidenum">
               <a:rPr lang="zh-CN" altLang="en-US" smtClean="0"/>
               <a:t>‹#›</a:t>
             </a:fld>
@@ -2014,7 +2014,7 @@
     </p:spTree>
     <p:extLst>
       <p:ext uri="{BB962C8B-B14F-4D97-AF65-F5344CB8AC3E}">
-        <p14:creationId xmlns:p14="http://schemas.microsoft.com/office/powerpoint/2010/main" val="3852347336"/>
+        <p14:creationId xmlns:p14="http://schemas.microsoft.com/office/powerpoint/2010/main" val="3969964101"/>
       </p:ext>
     </p:extLst>
   </p:cSld>
@@ -2046,7 +2046,7 @@
           <p:cNvPr id="2" name="日期占位符 1">
             <a:extLst>
               <a:ext uri="{FF2B5EF4-FFF2-40B4-BE49-F238E27FC236}">
-                <a16:creationId xmlns:a16="http://schemas.microsoft.com/office/drawing/2014/main" id="{DA19D150-7B21-E924-E2D1-7D6A988522A9}"/>
+                <a16:creationId xmlns:a16="http://schemas.microsoft.com/office/drawing/2014/main" id="{0829C9CE-824D-CEDF-41BF-B4935FB95B19}"/>
               </a:ext>
             </a:extLst>
           </p:cNvPr>
@@ -2062,7 +2062,7 @@
           <a:bodyPr/>
           <a:lstStyle/>
           <a:p>
-            <a:fld id="{23ECE385-DD4E-4A9C-A790-BB659CD72E98}" type="datetimeFigureOut">
+            <a:fld id="{DD93EA1C-154A-4774-BCC9-86D898843395}" type="datetimeFigureOut">
               <a:rPr lang="zh-CN" altLang="en-US" smtClean="0"/>
               <a:t>2024/3/10</a:t>
             </a:fld>
@@ -2075,7 +2075,7 @@
           <p:cNvPr id="3" name="页脚占位符 2">
             <a:extLst>
               <a:ext uri="{FF2B5EF4-FFF2-40B4-BE49-F238E27FC236}">
-                <a16:creationId xmlns:a16="http://schemas.microsoft.com/office/drawing/2014/main" id="{6B3BE97C-0AB2-622E-6661-84A0E0D60363}"/>
+                <a16:creationId xmlns:a16="http://schemas.microsoft.com/office/drawing/2014/main" id="{0CC49ADA-726C-A633-28DC-90406E26DB25}"/>
               </a:ext>
             </a:extLst>
           </p:cNvPr>
@@ -2100,7 +2100,7 @@
           <p:cNvPr id="4" name="灯片编号占位符 3">
             <a:extLst>
               <a:ext uri="{FF2B5EF4-FFF2-40B4-BE49-F238E27FC236}">
-                <a16:creationId xmlns:a16="http://schemas.microsoft.com/office/drawing/2014/main" id="{53A32C0C-38A3-951C-B54A-A714971C7A33}"/>
+                <a16:creationId xmlns:a16="http://schemas.microsoft.com/office/drawing/2014/main" id="{5C07F9CF-B702-280B-6C0F-E04D2C513FE1}"/>
               </a:ext>
             </a:extLst>
           </p:cNvPr>
@@ -2116,7 +2116,7 @@
           <a:bodyPr/>
           <a:lstStyle/>
           <a:p>
-            <a:fld id="{415D025C-2599-4810-815C-BD34EC312D75}" type="slidenum">
+            <a:fld id="{45DDCCED-062F-49E4-9BFA-388C118D6FD3}" type="slidenum">
               <a:rPr lang="zh-CN" altLang="en-US" smtClean="0"/>
               <a:t>‹#›</a:t>
             </a:fld>
@@ -2127,7 +2127,7 @@
     </p:spTree>
     <p:extLst>
       <p:ext uri="{BB962C8B-B14F-4D97-AF65-F5344CB8AC3E}">
-        <p14:creationId xmlns:p14="http://schemas.microsoft.com/office/powerpoint/2010/main" val="2626717982"/>
+        <p14:creationId xmlns:p14="http://schemas.microsoft.com/office/powerpoint/2010/main" val="1100228490"/>
       </p:ext>
     </p:extLst>
   </p:cSld>
@@ -2159,7 +2159,7 @@
           <p:cNvPr id="2" name="标题 1">
             <a:extLst>
               <a:ext uri="{FF2B5EF4-FFF2-40B4-BE49-F238E27FC236}">
-                <a16:creationId xmlns:a16="http://schemas.microsoft.com/office/drawing/2014/main" id="{ADA32490-9C03-A987-33F1-53B119C17744}"/>
+                <a16:creationId xmlns:a16="http://schemas.microsoft.com/office/drawing/2014/main" id="{B91C2377-EB1B-523F-9A34-727543A99F95}"/>
               </a:ext>
             </a:extLst>
           </p:cNvPr>
@@ -2196,7 +2196,7 @@
           <p:cNvPr id="3" name="内容占位符 2">
             <a:extLst>
               <a:ext uri="{FF2B5EF4-FFF2-40B4-BE49-F238E27FC236}">
-                <a16:creationId xmlns:a16="http://schemas.microsoft.com/office/drawing/2014/main" id="{F4D374CB-91B6-2083-8083-18B3E1CDF7B9}"/>
+                <a16:creationId xmlns:a16="http://schemas.microsoft.com/office/drawing/2014/main" id="{2423E418-7D21-530C-8FB4-D681AE13521B}"/>
               </a:ext>
             </a:extLst>
           </p:cNvPr>
@@ -2286,7 +2286,7 @@
           <p:cNvPr id="4" name="文本占位符 3">
             <a:extLst>
               <a:ext uri="{FF2B5EF4-FFF2-40B4-BE49-F238E27FC236}">
-                <a16:creationId xmlns:a16="http://schemas.microsoft.com/office/drawing/2014/main" id="{E7946CAD-EDC9-A255-E525-E472E3840C94}"/>
+                <a16:creationId xmlns:a16="http://schemas.microsoft.com/office/drawing/2014/main" id="{839A1893-6FE0-B3E0-2698-798AEA0F0609}"/>
               </a:ext>
             </a:extLst>
           </p:cNvPr>
@@ -2357,7 +2357,7 @@
           <p:cNvPr id="5" name="日期占位符 4">
             <a:extLst>
               <a:ext uri="{FF2B5EF4-FFF2-40B4-BE49-F238E27FC236}">
-                <a16:creationId xmlns:a16="http://schemas.microsoft.com/office/drawing/2014/main" id="{06247177-7124-DA48-C864-723969AE1C1B}"/>
+                <a16:creationId xmlns:a16="http://schemas.microsoft.com/office/drawing/2014/main" id="{F3D18798-6FA4-2E87-6B28-6C4CC66993FA}"/>
               </a:ext>
             </a:extLst>
           </p:cNvPr>
@@ -2373,7 +2373,7 @@
           <a:bodyPr/>
           <a:lstStyle/>
           <a:p>
-            <a:fld id="{23ECE385-DD4E-4A9C-A790-BB659CD72E98}" type="datetimeFigureOut">
+            <a:fld id="{DD93EA1C-154A-4774-BCC9-86D898843395}" type="datetimeFigureOut">
               <a:rPr lang="zh-CN" altLang="en-US" smtClean="0"/>
               <a:t>2024/3/10</a:t>
             </a:fld>
@@ -2386,7 +2386,7 @@
           <p:cNvPr id="6" name="页脚占位符 5">
             <a:extLst>
               <a:ext uri="{FF2B5EF4-FFF2-40B4-BE49-F238E27FC236}">
-                <a16:creationId xmlns:a16="http://schemas.microsoft.com/office/drawing/2014/main" id="{6CECE564-DA8D-C1CD-9F58-FDBF7781CC89}"/>
+                <a16:creationId xmlns:a16="http://schemas.microsoft.com/office/drawing/2014/main" id="{5DEF469C-921B-EB35-19D8-6C5DC03103D6}"/>
               </a:ext>
             </a:extLst>
           </p:cNvPr>
@@ -2411,7 +2411,7 @@
           <p:cNvPr id="7" name="灯片编号占位符 6">
             <a:extLst>
               <a:ext uri="{FF2B5EF4-FFF2-40B4-BE49-F238E27FC236}">
-                <a16:creationId xmlns:a16="http://schemas.microsoft.com/office/drawing/2014/main" id="{F4172F49-7E5A-B639-875D-541AD3F6B236}"/>
+                <a16:creationId xmlns:a16="http://schemas.microsoft.com/office/drawing/2014/main" id="{22EF0E9C-9C32-7F77-D91B-C323B78025B2}"/>
               </a:ext>
             </a:extLst>
           </p:cNvPr>
@@ -2427,7 +2427,7 @@
           <a:bodyPr/>
           <a:lstStyle/>
           <a:p>
-            <a:fld id="{415D025C-2599-4810-815C-BD34EC312D75}" type="slidenum">
+            <a:fld id="{45DDCCED-062F-49E4-9BFA-388C118D6FD3}" type="slidenum">
               <a:rPr lang="zh-CN" altLang="en-US" smtClean="0"/>
               <a:t>‹#›</a:t>
             </a:fld>
@@ -2438,7 +2438,7 @@
     </p:spTree>
     <p:extLst>
       <p:ext uri="{BB962C8B-B14F-4D97-AF65-F5344CB8AC3E}">
-        <p14:creationId xmlns:p14="http://schemas.microsoft.com/office/powerpoint/2010/main" val="240802734"/>
+        <p14:creationId xmlns:p14="http://schemas.microsoft.com/office/powerpoint/2010/main" val="4088007134"/>
       </p:ext>
     </p:extLst>
   </p:cSld>
@@ -2470,7 +2470,7 @@
           <p:cNvPr id="2" name="标题 1">
             <a:extLst>
               <a:ext uri="{FF2B5EF4-FFF2-40B4-BE49-F238E27FC236}">
-                <a16:creationId xmlns:a16="http://schemas.microsoft.com/office/drawing/2014/main" id="{0057B8ED-2BA9-FB63-6EAF-9EF7703C46F6}"/>
+                <a16:creationId xmlns:a16="http://schemas.microsoft.com/office/drawing/2014/main" id="{C14E1FBE-EE9F-9892-236D-C874022C1D8F}"/>
               </a:ext>
             </a:extLst>
           </p:cNvPr>
@@ -2507,7 +2507,7 @@
           <p:cNvPr id="3" name="图片占位符 2">
             <a:extLst>
               <a:ext uri="{FF2B5EF4-FFF2-40B4-BE49-F238E27FC236}">
-                <a16:creationId xmlns:a16="http://schemas.microsoft.com/office/drawing/2014/main" id="{FD930CC5-7942-CA52-DDA6-2BB026E9CA95}"/>
+                <a16:creationId xmlns:a16="http://schemas.microsoft.com/office/drawing/2014/main" id="{6393E15D-D484-C645-8578-8B86F46154A3}"/>
               </a:ext>
             </a:extLst>
           </p:cNvPr>
@@ -2574,7 +2574,7 @@
           <p:cNvPr id="4" name="文本占位符 3">
             <a:extLst>
               <a:ext uri="{FF2B5EF4-FFF2-40B4-BE49-F238E27FC236}">
-                <a16:creationId xmlns:a16="http://schemas.microsoft.com/office/drawing/2014/main" id="{408D7116-07DC-A5FF-68C9-5C379B86F31F}"/>
+                <a16:creationId xmlns:a16="http://schemas.microsoft.com/office/drawing/2014/main" id="{6D84C454-AD8D-8D6C-4437-C98CC1CAEE21}"/>
               </a:ext>
             </a:extLst>
           </p:cNvPr>
@@ -2645,7 +2645,7 @@
           <p:cNvPr id="5" name="日期占位符 4">
             <a:extLst>
               <a:ext uri="{FF2B5EF4-FFF2-40B4-BE49-F238E27FC236}">
-                <a16:creationId xmlns:a16="http://schemas.microsoft.com/office/drawing/2014/main" id="{BE170851-54AA-4A36-96C2-E83356F774E7}"/>
+                <a16:creationId xmlns:a16="http://schemas.microsoft.com/office/drawing/2014/main" id="{1F4C4EDF-6FBA-C3F5-A3A3-0929D0B27BBD}"/>
               </a:ext>
             </a:extLst>
           </p:cNvPr>
@@ -2661,7 +2661,7 @@
           <a:bodyPr/>
           <a:lstStyle/>
           <a:p>
-            <a:fld id="{23ECE385-DD4E-4A9C-A790-BB659CD72E98}" type="datetimeFigureOut">
+            <a:fld id="{DD93EA1C-154A-4774-BCC9-86D898843395}" type="datetimeFigureOut">
               <a:rPr lang="zh-CN" altLang="en-US" smtClean="0"/>
               <a:t>2024/3/10</a:t>
             </a:fld>
@@ -2674,7 +2674,7 @@
           <p:cNvPr id="6" name="页脚占位符 5">
             <a:extLst>
               <a:ext uri="{FF2B5EF4-FFF2-40B4-BE49-F238E27FC236}">
-                <a16:creationId xmlns:a16="http://schemas.microsoft.com/office/drawing/2014/main" id="{910335CD-B638-A35F-436D-90E74CCB6C0B}"/>
+                <a16:creationId xmlns:a16="http://schemas.microsoft.com/office/drawing/2014/main" id="{CF66B9AB-19D6-E645-15D3-952B183614D4}"/>
               </a:ext>
             </a:extLst>
           </p:cNvPr>
@@ -2699,7 +2699,7 @@
           <p:cNvPr id="7" name="灯片编号占位符 6">
             <a:extLst>
               <a:ext uri="{FF2B5EF4-FFF2-40B4-BE49-F238E27FC236}">
-                <a16:creationId xmlns:a16="http://schemas.microsoft.com/office/drawing/2014/main" id="{0B6E7564-F09B-8DFF-0769-9FB6E0CCF9CC}"/>
+                <a16:creationId xmlns:a16="http://schemas.microsoft.com/office/drawing/2014/main" id="{CD3D3FC7-C488-62A4-79B0-7C548334AA3B}"/>
               </a:ext>
             </a:extLst>
           </p:cNvPr>
@@ -2715,7 +2715,7 @@
           <a:bodyPr/>
           <a:lstStyle/>
           <a:p>
-            <a:fld id="{415D025C-2599-4810-815C-BD34EC312D75}" type="slidenum">
+            <a:fld id="{45DDCCED-062F-49E4-9BFA-388C118D6FD3}" type="slidenum">
               <a:rPr lang="zh-CN" altLang="en-US" smtClean="0"/>
               <a:t>‹#›</a:t>
             </a:fld>
@@ -2726,7 +2726,7 @@
     </p:spTree>
     <p:extLst>
       <p:ext uri="{BB962C8B-B14F-4D97-AF65-F5344CB8AC3E}">
-        <p14:creationId xmlns:p14="http://schemas.microsoft.com/office/powerpoint/2010/main" val="3373295674"/>
+        <p14:creationId xmlns:p14="http://schemas.microsoft.com/office/powerpoint/2010/main" val="3016520341"/>
       </p:ext>
     </p:extLst>
   </p:cSld>
@@ -2763,7 +2763,7 @@
           <p:cNvPr id="2" name="标题占位符 1">
             <a:extLst>
               <a:ext uri="{FF2B5EF4-FFF2-40B4-BE49-F238E27FC236}">
-                <a16:creationId xmlns:a16="http://schemas.microsoft.com/office/drawing/2014/main" id="{54449DA0-E76F-CD7D-3BA2-C638F9BF2837}"/>
+                <a16:creationId xmlns:a16="http://schemas.microsoft.com/office/drawing/2014/main" id="{B088B044-42A1-E928-54D3-B34CF4E80C4E}"/>
               </a:ext>
             </a:extLst>
           </p:cNvPr>
@@ -2801,7 +2801,7 @@
           <p:cNvPr id="3" name="文本占位符 2">
             <a:extLst>
               <a:ext uri="{FF2B5EF4-FFF2-40B4-BE49-F238E27FC236}">
-                <a16:creationId xmlns:a16="http://schemas.microsoft.com/office/drawing/2014/main" id="{A13AF2D7-CC2D-2065-A425-55800F9EA5D9}"/>
+                <a16:creationId xmlns:a16="http://schemas.microsoft.com/office/drawing/2014/main" id="{7299E2A5-9490-EE77-966C-DE97022FA4F8}"/>
               </a:ext>
             </a:extLst>
           </p:cNvPr>
@@ -2868,7 +2868,7 @@
           <p:cNvPr id="4" name="日期占位符 3">
             <a:extLst>
               <a:ext uri="{FF2B5EF4-FFF2-40B4-BE49-F238E27FC236}">
-                <a16:creationId xmlns:a16="http://schemas.microsoft.com/office/drawing/2014/main" id="{C61ACB9C-E457-5344-69A7-FA06722A485B}"/>
+                <a16:creationId xmlns:a16="http://schemas.microsoft.com/office/drawing/2014/main" id="{1139ACEC-144B-F091-2E5E-2256F128D9E0}"/>
               </a:ext>
             </a:extLst>
           </p:cNvPr>
@@ -2902,7 +2902,7 @@
             </a:lvl1pPr>
           </a:lstStyle>
           <a:p>
-            <a:fld id="{23ECE385-DD4E-4A9C-A790-BB659CD72E98}" type="datetimeFigureOut">
+            <a:fld id="{DD93EA1C-154A-4774-BCC9-86D898843395}" type="datetimeFigureOut">
               <a:rPr lang="zh-CN" altLang="en-US" smtClean="0"/>
               <a:t>2024/3/10</a:t>
             </a:fld>
@@ -2915,7 +2915,7 @@
           <p:cNvPr id="5" name="页脚占位符 4">
             <a:extLst>
               <a:ext uri="{FF2B5EF4-FFF2-40B4-BE49-F238E27FC236}">
-                <a16:creationId xmlns:a16="http://schemas.microsoft.com/office/drawing/2014/main" id="{1D7FF24E-45A8-32D3-F979-FAF52D154006}"/>
+                <a16:creationId xmlns:a16="http://schemas.microsoft.com/office/drawing/2014/main" id="{E8C7A7B9-99EE-5391-6D7F-C342D58F6BD0}"/>
               </a:ext>
             </a:extLst>
           </p:cNvPr>
@@ -2958,7 +2958,7 @@
           <p:cNvPr id="6" name="灯片编号占位符 5">
             <a:extLst>
               <a:ext uri="{FF2B5EF4-FFF2-40B4-BE49-F238E27FC236}">
-                <a16:creationId xmlns:a16="http://schemas.microsoft.com/office/drawing/2014/main" id="{8403F790-80A8-FEF7-4035-186A70805FEF}"/>
+                <a16:creationId xmlns:a16="http://schemas.microsoft.com/office/drawing/2014/main" id="{8798435E-450D-20E9-D4F1-C8B5E7681506}"/>
               </a:ext>
             </a:extLst>
           </p:cNvPr>
@@ -2992,7 +2992,7 @@
             </a:lvl1pPr>
           </a:lstStyle>
           <a:p>
-            <a:fld id="{415D025C-2599-4810-815C-BD34EC312D75}" type="slidenum">
+            <a:fld id="{45DDCCED-062F-49E4-9BFA-388C118D6FD3}" type="slidenum">
               <a:rPr lang="zh-CN" altLang="en-US" smtClean="0"/>
               <a:t>‹#›</a:t>
             </a:fld>
@@ -3003,7 +3003,7 @@
     </p:spTree>
     <p:extLst>
       <p:ext uri="{BB962C8B-B14F-4D97-AF65-F5344CB8AC3E}">
-        <p14:creationId xmlns:p14="http://schemas.microsoft.com/office/powerpoint/2010/main" val="2674212257"/>
+        <p14:creationId xmlns:p14="http://schemas.microsoft.com/office/powerpoint/2010/main" val="756702698"/>
       </p:ext>
     </p:extLst>
   </p:cSld>
@@ -3323,7 +3323,7 @@
       </p:grpSpPr>
       <p:pic>
         <p:nvPicPr>
-          <p:cNvPr id="171010" name="Picture 2" descr="166"/>
+          <p:cNvPr id="172034" name="Picture 2" descr="167"/>
           <p:cNvPicPr>
             <a:picLocks noChangeAspect="1" noChangeArrowheads="1"/>
           </p:cNvPicPr>
@@ -3375,158 +3375,11 @@
           </a:extLst>
         </p:spPr>
       </p:pic>
-      <p:pic>
-        <p:nvPicPr>
-          <p:cNvPr id="172035" name="Picture 3" descr="166-2"/>
-          <p:cNvPicPr>
-            <a:picLocks noChangeAspect="1" noChangeArrowheads="1"/>
-          </p:cNvPicPr>
-          <p:nvPr/>
-        </p:nvPicPr>
-        <p:blipFill>
-          <a:blip r:embed="rId3">
-            <a:extLst>
-              <a:ext uri="{28A0092B-C50C-407E-A947-70E740481C1C}">
-                <a14:useLocalDpi xmlns:a14="http://schemas.microsoft.com/office/drawing/2010/main" val="0"/>
-              </a:ext>
-            </a:extLst>
-          </a:blip>
-          <a:srcRect/>
-          <a:stretch>
-            <a:fillRect/>
-          </a:stretch>
-        </p:blipFill>
-        <p:spPr bwMode="auto">
-          <a:xfrm>
-            <a:off x="1524000" y="0"/>
-            <a:ext cx="9144000" cy="6859588"/>
-          </a:xfrm>
-          <a:prstGeom prst="rect">
-            <a:avLst/>
-          </a:prstGeom>
-          <a:noFill/>
-          <a:ln>
-            <a:noFill/>
-          </a:ln>
-          <a:effectLst/>
-          <a:extLst>
-            <a:ext uri="{909E8E84-426E-40DD-AFC4-6F175D3DCCD1}">
-              <a14:hiddenFill xmlns:a14="http://schemas.microsoft.com/office/drawing/2010/main">
-                <a:solidFill>
-                  <a:srgbClr val="FFFFFF"/>
-                </a:solidFill>
-              </a14:hiddenFill>
-            </a:ext>
-            <a:ext uri="{91240B29-F687-4F45-9708-019B960494DF}">
-              <a14:hiddenLine xmlns:a14="http://schemas.microsoft.com/office/drawing/2010/main" w="9525">
-                <a:solidFill>
-                  <a:srgbClr val="000000"/>
-                </a:solidFill>
-                <a:miter lim="800000"/>
-                <a:headEnd/>
-                <a:tailEnd/>
-              </a14:hiddenLine>
-            </a:ext>
-            <a:ext uri="{AF507438-7753-43E0-B8FC-AC1667EBCBE1}">
-              <a14:hiddenEffects xmlns:a14="http://schemas.microsoft.com/office/drawing/2010/main">
-                <a:effectLst>
-                  <a:outerShdw dist="35921" dir="2700000" algn="ctr" rotWithShape="0">
-                    <a:srgbClr val="808080"/>
-                  </a:outerShdw>
-                </a:effectLst>
-              </a14:hiddenEffects>
-            </a:ext>
-          </a:extLst>
-        </p:spPr>
-      </p:pic>
     </p:spTree>
   </p:cSld>
   <p:clrMapOvr>
     <a:masterClrMapping/>
   </p:clrMapOvr>
-  <p:timing>
-    <p:tnLst>
-      <p:par>
-        <p:cTn id="1" dur="indefinite" restart="never" nodeType="tmRoot">
-          <p:childTnLst>
-            <p:seq concurrent="1" nextAc="seek">
-              <p:cTn id="2" dur="indefinite" nodeType="mainSeq">
-                <p:childTnLst>
-                  <p:par>
-                    <p:cTn id="3" fill="hold" nodeType="clickPar">
-                      <p:stCondLst>
-                        <p:cond delay="indefinite"/>
-                      </p:stCondLst>
-                      <p:childTnLst>
-                        <p:par>
-                          <p:cTn id="4" fill="hold" nodeType="withGroup">
-                            <p:stCondLst>
-                              <p:cond delay="0"/>
-                            </p:stCondLst>
-                            <p:childTnLst>
-                              <p:par>
-                                <p:cTn id="5" presetID="10" presetClass="entr" presetSubtype="0" fill="hold" nodeType="clickEffect">
-                                  <p:stCondLst>
-                                    <p:cond delay="0"/>
-                                  </p:stCondLst>
-                                  <p:childTnLst>
-                                    <p:set>
-                                      <p:cBhvr>
-                                        <p:cTn id="6" dur="1" fill="hold">
-                                          <p:stCondLst>
-                                            <p:cond delay="0"/>
-                                          </p:stCondLst>
-                                        </p:cTn>
-                                        <p:tgtEl>
-                                          <p:spTgt spid="172035"/>
-                                        </p:tgtEl>
-                                        <p:attrNameLst>
-                                          <p:attrName>style.visibility</p:attrName>
-                                        </p:attrNameLst>
-                                      </p:cBhvr>
-                                      <p:to>
-                                        <p:strVal val="visible"/>
-                                      </p:to>
-                                    </p:set>
-                                    <p:animEffect transition="in" filter="fade">
-                                      <p:cBhvr>
-                                        <p:cTn id="7" dur="500"/>
-                                        <p:tgtEl>
-                                          <p:spTgt spid="172035"/>
-                                        </p:tgtEl>
-                                      </p:cBhvr>
-                                    </p:animEffect>
-                                  </p:childTnLst>
-                                </p:cTn>
-                              </p:par>
-                            </p:childTnLst>
-                          </p:cTn>
-                        </p:par>
-                      </p:childTnLst>
-                    </p:cTn>
-                  </p:par>
-                </p:childTnLst>
-              </p:cTn>
-              <p:prevCondLst>
-                <p:cond evt="onPrev" delay="0">
-                  <p:tgtEl>
-                    <p:sldTgt/>
-                  </p:tgtEl>
-                </p:cond>
-              </p:prevCondLst>
-              <p:nextCondLst>
-                <p:cond evt="onNext" delay="0">
-                  <p:tgtEl>
-                    <p:sldTgt/>
-                  </p:tgtEl>
-                </p:cond>
-              </p:nextCondLst>
-            </p:seq>
-          </p:childTnLst>
-        </p:cTn>
-      </p:par>
-    </p:tnLst>
-  </p:timing>
 </p:sld>
 </file>
 
